--- a/Report/report.pptx
+++ b/Report/report.pptx
@@ -115,6 +115,11 @@
       </a:defRPr>
     </a:lvl9pPr>
   </p:defaultTextStyle>
+  <p:extLst>
+    <p:ext uri="{EFAFB233-063F-42B5-8137-9DF3F51BA10A}">
+      <p15:sldGuideLst xmlns:p15="http://schemas.microsoft.com/office/powerpoint/2012/main"/>
+    </p:ext>
+  </p:extLst>
 </p:presentation>
 </file>
 
@@ -267,7 +272,7 @@
           <a:p>
             <a:fld id="{F3541390-F7D9-454C-952C-CBBB6C411AF5}" type="datetimeFigureOut">
               <a:rPr lang="en-GB" smtClean="0"/>
-              <a:t>15/01/2021</a:t>
+              <a:t>17/01/2021</a:t>
             </a:fld>
             <a:endParaRPr lang="en-GB"/>
           </a:p>
@@ -321,7 +326,7 @@
           <a:p>
             <a:fld id="{12ABE9CB-E376-48CE-91B3-8AFE0ECDF1F6}" type="slidenum">
               <a:rPr lang="en-GB" smtClean="0"/>
-              <a:t>‹N›</a:t>
+              <a:t>‹#›</a:t>
             </a:fld>
             <a:endParaRPr lang="en-GB"/>
           </a:p>
@@ -467,7 +472,7 @@
           <a:p>
             <a:fld id="{F3541390-F7D9-454C-952C-CBBB6C411AF5}" type="datetimeFigureOut">
               <a:rPr lang="en-GB" smtClean="0"/>
-              <a:t>15/01/2021</a:t>
+              <a:t>17/01/2021</a:t>
             </a:fld>
             <a:endParaRPr lang="en-GB"/>
           </a:p>
@@ -521,7 +526,7 @@
           <a:p>
             <a:fld id="{12ABE9CB-E376-48CE-91B3-8AFE0ECDF1F6}" type="slidenum">
               <a:rPr lang="en-GB" smtClean="0"/>
-              <a:t>‹N›</a:t>
+              <a:t>‹#›</a:t>
             </a:fld>
             <a:endParaRPr lang="en-GB"/>
           </a:p>
@@ -677,7 +682,7 @@
           <a:p>
             <a:fld id="{F3541390-F7D9-454C-952C-CBBB6C411AF5}" type="datetimeFigureOut">
               <a:rPr lang="en-GB" smtClean="0"/>
-              <a:t>15/01/2021</a:t>
+              <a:t>17/01/2021</a:t>
             </a:fld>
             <a:endParaRPr lang="en-GB"/>
           </a:p>
@@ -731,7 +736,7 @@
           <a:p>
             <a:fld id="{12ABE9CB-E376-48CE-91B3-8AFE0ECDF1F6}" type="slidenum">
               <a:rPr lang="en-GB" smtClean="0"/>
-              <a:t>‹N›</a:t>
+              <a:t>‹#›</a:t>
             </a:fld>
             <a:endParaRPr lang="en-GB"/>
           </a:p>
@@ -877,7 +882,7 @@
           <a:p>
             <a:fld id="{F3541390-F7D9-454C-952C-CBBB6C411AF5}" type="datetimeFigureOut">
               <a:rPr lang="en-GB" smtClean="0"/>
-              <a:t>15/01/2021</a:t>
+              <a:t>17/01/2021</a:t>
             </a:fld>
             <a:endParaRPr lang="en-GB"/>
           </a:p>
@@ -931,7 +936,7 @@
           <a:p>
             <a:fld id="{12ABE9CB-E376-48CE-91B3-8AFE0ECDF1F6}" type="slidenum">
               <a:rPr lang="en-GB" smtClean="0"/>
-              <a:t>‹N›</a:t>
+              <a:t>‹#›</a:t>
             </a:fld>
             <a:endParaRPr lang="en-GB"/>
           </a:p>
@@ -1153,7 +1158,7 @@
           <a:p>
             <a:fld id="{F3541390-F7D9-454C-952C-CBBB6C411AF5}" type="datetimeFigureOut">
               <a:rPr lang="en-GB" smtClean="0"/>
-              <a:t>15/01/2021</a:t>
+              <a:t>17/01/2021</a:t>
             </a:fld>
             <a:endParaRPr lang="en-GB"/>
           </a:p>
@@ -1207,7 +1212,7 @@
           <a:p>
             <a:fld id="{12ABE9CB-E376-48CE-91B3-8AFE0ECDF1F6}" type="slidenum">
               <a:rPr lang="en-GB" smtClean="0"/>
-              <a:t>‹N›</a:t>
+              <a:t>‹#›</a:t>
             </a:fld>
             <a:endParaRPr lang="en-GB"/>
           </a:p>
@@ -1421,7 +1426,7 @@
           <a:p>
             <a:fld id="{F3541390-F7D9-454C-952C-CBBB6C411AF5}" type="datetimeFigureOut">
               <a:rPr lang="en-GB" smtClean="0"/>
-              <a:t>15/01/2021</a:t>
+              <a:t>17/01/2021</a:t>
             </a:fld>
             <a:endParaRPr lang="en-GB"/>
           </a:p>
@@ -1475,7 +1480,7 @@
           <a:p>
             <a:fld id="{12ABE9CB-E376-48CE-91B3-8AFE0ECDF1F6}" type="slidenum">
               <a:rPr lang="en-GB" smtClean="0"/>
-              <a:t>‹N›</a:t>
+              <a:t>‹#›</a:t>
             </a:fld>
             <a:endParaRPr lang="en-GB"/>
           </a:p>
@@ -1836,7 +1841,7 @@
           <a:p>
             <a:fld id="{F3541390-F7D9-454C-952C-CBBB6C411AF5}" type="datetimeFigureOut">
               <a:rPr lang="en-GB" smtClean="0"/>
-              <a:t>15/01/2021</a:t>
+              <a:t>17/01/2021</a:t>
             </a:fld>
             <a:endParaRPr lang="en-GB"/>
           </a:p>
@@ -1890,7 +1895,7 @@
           <a:p>
             <a:fld id="{12ABE9CB-E376-48CE-91B3-8AFE0ECDF1F6}" type="slidenum">
               <a:rPr lang="en-GB" smtClean="0"/>
-              <a:t>‹N›</a:t>
+              <a:t>‹#›</a:t>
             </a:fld>
             <a:endParaRPr lang="en-GB"/>
           </a:p>
@@ -1978,7 +1983,7 @@
           <a:p>
             <a:fld id="{F3541390-F7D9-454C-952C-CBBB6C411AF5}" type="datetimeFigureOut">
               <a:rPr lang="en-GB" smtClean="0"/>
-              <a:t>15/01/2021</a:t>
+              <a:t>17/01/2021</a:t>
             </a:fld>
             <a:endParaRPr lang="en-GB"/>
           </a:p>
@@ -2032,7 +2037,7 @@
           <a:p>
             <a:fld id="{12ABE9CB-E376-48CE-91B3-8AFE0ECDF1F6}" type="slidenum">
               <a:rPr lang="en-GB" smtClean="0"/>
-              <a:t>‹N›</a:t>
+              <a:t>‹#›</a:t>
             </a:fld>
             <a:endParaRPr lang="en-GB"/>
           </a:p>
@@ -2091,7 +2096,7 @@
           <a:p>
             <a:fld id="{F3541390-F7D9-454C-952C-CBBB6C411AF5}" type="datetimeFigureOut">
               <a:rPr lang="en-GB" smtClean="0"/>
-              <a:t>15/01/2021</a:t>
+              <a:t>17/01/2021</a:t>
             </a:fld>
             <a:endParaRPr lang="en-GB"/>
           </a:p>
@@ -2145,7 +2150,7 @@
           <a:p>
             <a:fld id="{12ABE9CB-E376-48CE-91B3-8AFE0ECDF1F6}" type="slidenum">
               <a:rPr lang="en-GB" smtClean="0"/>
-              <a:t>‹N›</a:t>
+              <a:t>‹#›</a:t>
             </a:fld>
             <a:endParaRPr lang="en-GB"/>
           </a:p>
@@ -2404,7 +2409,7 @@
           <a:p>
             <a:fld id="{F3541390-F7D9-454C-952C-CBBB6C411AF5}" type="datetimeFigureOut">
               <a:rPr lang="en-GB" smtClean="0"/>
-              <a:t>15/01/2021</a:t>
+              <a:t>17/01/2021</a:t>
             </a:fld>
             <a:endParaRPr lang="en-GB"/>
           </a:p>
@@ -2458,7 +2463,7 @@
           <a:p>
             <a:fld id="{12ABE9CB-E376-48CE-91B3-8AFE0ECDF1F6}" type="slidenum">
               <a:rPr lang="en-GB" smtClean="0"/>
-              <a:t>‹N›</a:t>
+              <a:t>‹#›</a:t>
             </a:fld>
             <a:endParaRPr lang="en-GB"/>
           </a:p>
@@ -2693,7 +2698,7 @@
           <a:p>
             <a:fld id="{F3541390-F7D9-454C-952C-CBBB6C411AF5}" type="datetimeFigureOut">
               <a:rPr lang="en-GB" smtClean="0"/>
-              <a:t>15/01/2021</a:t>
+              <a:t>17/01/2021</a:t>
             </a:fld>
             <a:endParaRPr lang="en-GB"/>
           </a:p>
@@ -2747,7 +2752,7 @@
           <a:p>
             <a:fld id="{12ABE9CB-E376-48CE-91B3-8AFE0ECDF1F6}" type="slidenum">
               <a:rPr lang="en-GB" smtClean="0"/>
-              <a:t>‹N›</a:t>
+              <a:t>‹#›</a:t>
             </a:fld>
             <a:endParaRPr lang="en-GB"/>
           </a:p>
@@ -2936,7 +2941,7 @@
           <a:p>
             <a:fld id="{F3541390-F7D9-454C-952C-CBBB6C411AF5}" type="datetimeFigureOut">
               <a:rPr lang="en-GB" smtClean="0"/>
-              <a:t>15/01/2021</a:t>
+              <a:t>17/01/2021</a:t>
             </a:fld>
             <a:endParaRPr lang="en-GB"/>
           </a:p>
@@ -3026,7 +3031,7 @@
           <a:p>
             <a:fld id="{12ABE9CB-E376-48CE-91B3-8AFE0ECDF1F6}" type="slidenum">
               <a:rPr lang="en-GB" smtClean="0"/>
-              <a:t>‹N›</a:t>
+              <a:t>‹#›</a:t>
             </a:fld>
             <a:endParaRPr lang="en-GB"/>
           </a:p>
@@ -3400,28 +3405,42 @@
         </p:nvSpPr>
         <p:spPr>
           <a:xfrm>
-            <a:off x="1184952" y="4907756"/>
+            <a:off x="1371383" y="3888861"/>
             <a:ext cx="9144000" cy="1655762"/>
           </a:xfrm>
         </p:spPr>
         <p:txBody>
-          <a:bodyPr/>
-          <a:lstStyle/>
-          <a:p>
-            <a:r>
-              <a:rPr lang="it-IT" dirty="0"/>
-              <a:t>Andrea Ierardi, 960188</a:t>
-            </a:r>
+          <a:bodyPr>
+            <a:normAutofit lnSpcReduction="10000"/>
+          </a:bodyPr>
+          <a:lstStyle/>
+          <a:p>
+            <a:r>
+              <a:rPr lang="en-GB" dirty="0"/>
+              <a:t>Facebook Food mutual likes exploration</a:t>
+            </a:r>
+          </a:p>
+          <a:p>
             <a:endParaRPr lang="en-GB" dirty="0"/>
           </a:p>
-        </p:txBody>
-      </p:sp>
-      <p:sp>
-        <p:nvSpPr>
-          <p:cNvPr id="11" name="CasellaDiTesto 10">
-            <a:extLst>
-              <a:ext uri="{FF2B5EF4-FFF2-40B4-BE49-F238E27FC236}">
-                <a16:creationId xmlns:a16="http://schemas.microsoft.com/office/drawing/2014/main" id="{2E9AC22D-B0E5-44EB-82D9-57DC6876DB72}"/>
+          <a:p>
+            <a:endParaRPr lang="en-GB" dirty="0"/>
+          </a:p>
+          <a:p>
+            <a:r>
+              <a:rPr lang="en-GB"/>
+              <a:t>Andrea Ierardi</a:t>
+            </a:r>
+            <a:endParaRPr lang="en-GB" dirty="0"/>
+          </a:p>
+        </p:txBody>
+      </p:sp>
+      <p:sp>
+        <p:nvSpPr>
+          <p:cNvPr id="7" name="TextBox 6">
+            <a:extLst>
+              <a:ext uri="{FF2B5EF4-FFF2-40B4-BE49-F238E27FC236}">
+                <a16:creationId xmlns:a16="http://schemas.microsoft.com/office/drawing/2014/main" id="{F042467E-F696-4D6C-A6C5-A75E5EB65A29}"/>
               </a:ext>
             </a:extLst>
           </p:cNvPr>
@@ -3430,34 +3449,64 @@
         </p:nvSpPr>
         <p:spPr>
           <a:xfrm>
-            <a:off x="513708" y="5923522"/>
-            <a:ext cx="11455686" cy="369332"/>
+            <a:off x="0" y="6498454"/>
+            <a:ext cx="12192000" cy="369332"/>
           </a:xfrm>
           <a:prstGeom prst="rect">
             <a:avLst/>
           </a:prstGeom>
-          <a:noFill/>
         </p:spPr>
-        <p:txBody>
-          <a:bodyPr wrap="square">
+        <p:style>
+          <a:lnRef idx="2">
+            <a:schemeClr val="accent5">
+              <a:shade val="50000"/>
+            </a:schemeClr>
+          </a:lnRef>
+          <a:fillRef idx="1">
+            <a:schemeClr val="accent5"/>
+          </a:fillRef>
+          <a:effectRef idx="0">
+            <a:schemeClr val="accent5"/>
+          </a:effectRef>
+          <a:fontRef idx="minor">
+            <a:schemeClr val="lt1"/>
+          </a:fontRef>
+        </p:style>
+        <p:txBody>
+          <a:bodyPr wrap="square" rtlCol="0">
             <a:spAutoFit/>
           </a:bodyPr>
           <a:lstStyle/>
           <a:p>
+            <a:pPr algn="ctr"/>
+            <a:r>
+              <a:rPr lang="it-IT" dirty="0"/>
+              <a:t>Andrea Ierardi	</a:t>
+            </a:r>
             <a:r>
               <a:rPr lang="en-GB" dirty="0"/>
               <a:t>Code: </a:t>
             </a:r>
             <a:r>
               <a:rPr lang="en-GB" dirty="0">
-                <a:hlinkClick r:id="rId2"/>
+                <a:solidFill>
+                  <a:srgbClr val="92D050"/>
+                </a:solidFill>
+                <a:hlinkClick r:id="rId2">
+                  <a:extLst>
+                    <a:ext uri="{A12FA001-AC4F-418D-AE19-62706E023703}">
+                      <ahyp:hlinkClr xmlns:ahyp="http://schemas.microsoft.com/office/drawing/2018/hyperlinkcolor" val="tx"/>
+                    </a:ext>
+                  </a:extLst>
+                </a:hlinkClick>
               </a:rPr>
               <a:t>GitHub</a:t>
             </a:r>
-            <a:r>
-              <a:rPr lang="en-GB" dirty="0"/>
-              <a:t> </a:t>
-            </a:r>
+            <a:endParaRPr lang="en-GB" dirty="0">
+              <a:solidFill>
+                <a:srgbClr val="92D050"/>
+              </a:solidFill>
+            </a:endParaRPr>
           </a:p>
         </p:txBody>
       </p:sp>
@@ -3920,6 +3969,81 @@
           </a:extLst>
         </p:spPr>
       </p:pic>
+      <p:sp>
+        <p:nvSpPr>
+          <p:cNvPr id="7" name="TextBox 6">
+            <a:extLst>
+              <a:ext uri="{FF2B5EF4-FFF2-40B4-BE49-F238E27FC236}">
+                <a16:creationId xmlns:a16="http://schemas.microsoft.com/office/drawing/2014/main" id="{E2CC98BA-09F3-48D3-9F46-6DF58001E14C}"/>
+              </a:ext>
+            </a:extLst>
+          </p:cNvPr>
+          <p:cNvSpPr txBox="1"/>
+          <p:nvPr/>
+        </p:nvSpPr>
+        <p:spPr>
+          <a:xfrm>
+            <a:off x="0" y="6498454"/>
+            <a:ext cx="12192000" cy="369332"/>
+          </a:xfrm>
+          <a:prstGeom prst="rect">
+            <a:avLst/>
+          </a:prstGeom>
+        </p:spPr>
+        <p:style>
+          <a:lnRef idx="2">
+            <a:schemeClr val="accent5">
+              <a:shade val="50000"/>
+            </a:schemeClr>
+          </a:lnRef>
+          <a:fillRef idx="1">
+            <a:schemeClr val="accent5"/>
+          </a:fillRef>
+          <a:effectRef idx="0">
+            <a:schemeClr val="accent5"/>
+          </a:effectRef>
+          <a:fontRef idx="minor">
+            <a:schemeClr val="lt1"/>
+          </a:fontRef>
+        </p:style>
+        <p:txBody>
+          <a:bodyPr wrap="square" rtlCol="0">
+            <a:spAutoFit/>
+          </a:bodyPr>
+          <a:lstStyle/>
+          <a:p>
+            <a:pPr algn="ctr"/>
+            <a:r>
+              <a:rPr lang="it-IT" dirty="0"/>
+              <a:t>Andrea Ierardi	</a:t>
+            </a:r>
+            <a:r>
+              <a:rPr lang="en-GB" dirty="0"/>
+              <a:t>Code: </a:t>
+            </a:r>
+            <a:r>
+              <a:rPr lang="en-GB" dirty="0">
+                <a:solidFill>
+                  <a:srgbClr val="92D050"/>
+                </a:solidFill>
+                <a:hlinkClick r:id="rId4">
+                  <a:extLst>
+                    <a:ext uri="{A12FA001-AC4F-418D-AE19-62706E023703}">
+                      <ahyp:hlinkClr xmlns:ahyp="http://schemas.microsoft.com/office/drawing/2018/hyperlinkcolor" val="tx"/>
+                    </a:ext>
+                  </a:extLst>
+                </a:hlinkClick>
+              </a:rPr>
+              <a:t>GitHub</a:t>
+            </a:r>
+            <a:endParaRPr lang="en-GB" dirty="0">
+              <a:solidFill>
+                <a:srgbClr val="92D050"/>
+              </a:solidFill>
+            </a:endParaRPr>
+          </a:p>
+        </p:txBody>
+      </p:sp>
     </p:spTree>
     <p:extLst>
       <p:ext uri="{BB962C8B-B14F-4D97-AF65-F5344CB8AC3E}">
@@ -4049,7 +4173,7 @@
             <a:r>
               <a:rPr lang="en-GB" b="1" dirty="0">
                 <a:solidFill>
-                  <a:srgbClr val="FFC000"/>
+                  <a:srgbClr val="00B050"/>
                 </a:solidFill>
                 <a:latin typeface="Courier New" panose="02070309020205020404" pitchFamily="49" charset="0"/>
               </a:rPr>
@@ -4091,7 +4215,7 @@
             <a:r>
               <a:rPr lang="en-GB" b="1" dirty="0">
                 <a:solidFill>
-                  <a:srgbClr val="00B050"/>
+                  <a:srgbClr val="FFC000"/>
                 </a:solidFill>
                 <a:latin typeface="Courier New" panose="02070309020205020404" pitchFamily="49" charset="0"/>
               </a:rPr>
@@ -4454,6 +4578,81 @@
               <a:t> of a partition is the ratio of the number of intra-community edges plus inter-community non-edges with the total number of potential edges.</a:t>
             </a:r>
             <a:endParaRPr lang="en-GB" sz="1600" dirty="0"/>
+          </a:p>
+        </p:txBody>
+      </p:sp>
+      <p:sp>
+        <p:nvSpPr>
+          <p:cNvPr id="8" name="TextBox 7">
+            <a:extLst>
+              <a:ext uri="{FF2B5EF4-FFF2-40B4-BE49-F238E27FC236}">
+                <a16:creationId xmlns:a16="http://schemas.microsoft.com/office/drawing/2014/main" id="{780BD59F-D066-45BB-B5F3-F80676F5C4D7}"/>
+              </a:ext>
+            </a:extLst>
+          </p:cNvPr>
+          <p:cNvSpPr txBox="1"/>
+          <p:nvPr/>
+        </p:nvSpPr>
+        <p:spPr>
+          <a:xfrm>
+            <a:off x="0" y="6498454"/>
+            <a:ext cx="12192000" cy="369332"/>
+          </a:xfrm>
+          <a:prstGeom prst="rect">
+            <a:avLst/>
+          </a:prstGeom>
+        </p:spPr>
+        <p:style>
+          <a:lnRef idx="2">
+            <a:schemeClr val="accent5">
+              <a:shade val="50000"/>
+            </a:schemeClr>
+          </a:lnRef>
+          <a:fillRef idx="1">
+            <a:schemeClr val="accent5"/>
+          </a:fillRef>
+          <a:effectRef idx="0">
+            <a:schemeClr val="accent5"/>
+          </a:effectRef>
+          <a:fontRef idx="minor">
+            <a:schemeClr val="lt1"/>
+          </a:fontRef>
+        </p:style>
+        <p:txBody>
+          <a:bodyPr wrap="square" rtlCol="0">
+            <a:spAutoFit/>
+          </a:bodyPr>
+          <a:lstStyle/>
+          <a:p>
+            <a:pPr algn="ctr"/>
+            <a:r>
+              <a:rPr lang="it-IT" dirty="0"/>
+              <a:t>Andrea Ierardi	</a:t>
+            </a:r>
+            <a:r>
+              <a:rPr lang="en-GB" dirty="0"/>
+              <a:t>Code: </a:t>
+            </a:r>
+            <a:r>
+              <a:rPr lang="en-GB" dirty="0">
+                <a:solidFill>
+                  <a:srgbClr val="92D050"/>
+                </a:solidFill>
+                <a:hlinkClick r:id="rId3">
+                  <a:extLst>
+                    <a:ext uri="{A12FA001-AC4F-418D-AE19-62706E023703}">
+                      <ahyp:hlinkClr xmlns:ahyp="http://schemas.microsoft.com/office/drawing/2018/hyperlinkcolor" val="tx"/>
+                    </a:ext>
+                  </a:extLst>
+                </a:hlinkClick>
+              </a:rPr>
+              <a:t>GitHub</a:t>
+            </a:r>
+            <a:endParaRPr lang="en-GB" dirty="0">
+              <a:solidFill>
+                <a:srgbClr val="92D050"/>
+              </a:solidFill>
+            </a:endParaRPr>
           </a:p>
         </p:txBody>
       </p:sp>
@@ -4575,6 +4774,81 @@
           </a:p>
         </p:txBody>
       </p:sp>
+      <p:sp>
+        <p:nvSpPr>
+          <p:cNvPr id="4" name="TextBox 3">
+            <a:extLst>
+              <a:ext uri="{FF2B5EF4-FFF2-40B4-BE49-F238E27FC236}">
+                <a16:creationId xmlns:a16="http://schemas.microsoft.com/office/drawing/2014/main" id="{BE95FC51-50D5-4A2D-8A96-E5378DE0B920}"/>
+              </a:ext>
+            </a:extLst>
+          </p:cNvPr>
+          <p:cNvSpPr txBox="1"/>
+          <p:nvPr/>
+        </p:nvSpPr>
+        <p:spPr>
+          <a:xfrm>
+            <a:off x="0" y="6498454"/>
+            <a:ext cx="12192000" cy="369332"/>
+          </a:xfrm>
+          <a:prstGeom prst="rect">
+            <a:avLst/>
+          </a:prstGeom>
+        </p:spPr>
+        <p:style>
+          <a:lnRef idx="2">
+            <a:schemeClr val="accent5">
+              <a:shade val="50000"/>
+            </a:schemeClr>
+          </a:lnRef>
+          <a:fillRef idx="1">
+            <a:schemeClr val="accent5"/>
+          </a:fillRef>
+          <a:effectRef idx="0">
+            <a:schemeClr val="accent5"/>
+          </a:effectRef>
+          <a:fontRef idx="minor">
+            <a:schemeClr val="lt1"/>
+          </a:fontRef>
+        </p:style>
+        <p:txBody>
+          <a:bodyPr wrap="square" rtlCol="0">
+            <a:spAutoFit/>
+          </a:bodyPr>
+          <a:lstStyle/>
+          <a:p>
+            <a:pPr algn="ctr"/>
+            <a:r>
+              <a:rPr lang="it-IT" dirty="0"/>
+              <a:t>Andrea Ierardi	</a:t>
+            </a:r>
+            <a:r>
+              <a:rPr lang="en-GB" dirty="0"/>
+              <a:t>Code: </a:t>
+            </a:r>
+            <a:r>
+              <a:rPr lang="en-GB" dirty="0">
+                <a:solidFill>
+                  <a:srgbClr val="92D050"/>
+                </a:solidFill>
+                <a:hlinkClick r:id="rId2">
+                  <a:extLst>
+                    <a:ext uri="{A12FA001-AC4F-418D-AE19-62706E023703}">
+                      <ahyp:hlinkClr xmlns:ahyp="http://schemas.microsoft.com/office/drawing/2018/hyperlinkcolor" val="tx"/>
+                    </a:ext>
+                  </a:extLst>
+                </a:hlinkClick>
+              </a:rPr>
+              <a:t>GitHub</a:t>
+            </a:r>
+            <a:endParaRPr lang="en-GB" dirty="0">
+              <a:solidFill>
+                <a:srgbClr val="92D050"/>
+              </a:solidFill>
+            </a:endParaRPr>
+          </a:p>
+        </p:txBody>
+      </p:sp>
     </p:spTree>
     <p:extLst>
       <p:ext uri="{BB962C8B-B14F-4D97-AF65-F5344CB8AC3E}">
@@ -4754,6 +5028,81 @@
           </a:p>
         </p:txBody>
       </p:sp>
+      <p:sp>
+        <p:nvSpPr>
+          <p:cNvPr id="4" name="TextBox 3">
+            <a:extLst>
+              <a:ext uri="{FF2B5EF4-FFF2-40B4-BE49-F238E27FC236}">
+                <a16:creationId xmlns:a16="http://schemas.microsoft.com/office/drawing/2014/main" id="{97DD4ADD-4498-4029-8CDF-B7BC04134E82}"/>
+              </a:ext>
+            </a:extLst>
+          </p:cNvPr>
+          <p:cNvSpPr txBox="1"/>
+          <p:nvPr/>
+        </p:nvSpPr>
+        <p:spPr>
+          <a:xfrm>
+            <a:off x="0" y="6498454"/>
+            <a:ext cx="12192000" cy="369332"/>
+          </a:xfrm>
+          <a:prstGeom prst="rect">
+            <a:avLst/>
+          </a:prstGeom>
+        </p:spPr>
+        <p:style>
+          <a:lnRef idx="2">
+            <a:schemeClr val="accent5">
+              <a:shade val="50000"/>
+            </a:schemeClr>
+          </a:lnRef>
+          <a:fillRef idx="1">
+            <a:schemeClr val="accent5"/>
+          </a:fillRef>
+          <a:effectRef idx="0">
+            <a:schemeClr val="accent5"/>
+          </a:effectRef>
+          <a:fontRef idx="minor">
+            <a:schemeClr val="lt1"/>
+          </a:fontRef>
+        </p:style>
+        <p:txBody>
+          <a:bodyPr wrap="square" rtlCol="0">
+            <a:spAutoFit/>
+          </a:bodyPr>
+          <a:lstStyle/>
+          <a:p>
+            <a:pPr algn="ctr"/>
+            <a:r>
+              <a:rPr lang="it-IT" dirty="0"/>
+              <a:t>Andrea Ierardi	</a:t>
+            </a:r>
+            <a:r>
+              <a:rPr lang="en-GB" dirty="0"/>
+              <a:t>Code: </a:t>
+            </a:r>
+            <a:r>
+              <a:rPr lang="en-GB" dirty="0">
+                <a:solidFill>
+                  <a:srgbClr val="92D050"/>
+                </a:solidFill>
+                <a:hlinkClick r:id="rId3">
+                  <a:extLst>
+                    <a:ext uri="{A12FA001-AC4F-418D-AE19-62706E023703}">
+                      <ahyp:hlinkClr xmlns:ahyp="http://schemas.microsoft.com/office/drawing/2018/hyperlinkcolor" val="tx"/>
+                    </a:ext>
+                  </a:extLst>
+                </a:hlinkClick>
+              </a:rPr>
+              <a:t>GitHub</a:t>
+            </a:r>
+            <a:endParaRPr lang="en-GB" dirty="0">
+              <a:solidFill>
+                <a:srgbClr val="92D050"/>
+              </a:solidFill>
+            </a:endParaRPr>
+          </a:p>
+        </p:txBody>
+      </p:sp>
     </p:spTree>
     <p:extLst>
       <p:ext uri="{BB962C8B-B14F-4D97-AF65-F5344CB8AC3E}">
@@ -4921,6 +5270,81 @@
           </a:ln>
         </p:spPr>
       </p:pic>
+      <p:sp>
+        <p:nvSpPr>
+          <p:cNvPr id="8" name="TextBox 7">
+            <a:extLst>
+              <a:ext uri="{FF2B5EF4-FFF2-40B4-BE49-F238E27FC236}">
+                <a16:creationId xmlns:a16="http://schemas.microsoft.com/office/drawing/2014/main" id="{105455A4-C6A7-4D2D-82CD-7D01716E3ED4}"/>
+              </a:ext>
+            </a:extLst>
+          </p:cNvPr>
+          <p:cNvSpPr txBox="1"/>
+          <p:nvPr/>
+        </p:nvSpPr>
+        <p:spPr>
+          <a:xfrm>
+            <a:off x="0" y="6498454"/>
+            <a:ext cx="12192000" cy="369332"/>
+          </a:xfrm>
+          <a:prstGeom prst="rect">
+            <a:avLst/>
+          </a:prstGeom>
+        </p:spPr>
+        <p:style>
+          <a:lnRef idx="2">
+            <a:schemeClr val="accent5">
+              <a:shade val="50000"/>
+            </a:schemeClr>
+          </a:lnRef>
+          <a:fillRef idx="1">
+            <a:schemeClr val="accent5"/>
+          </a:fillRef>
+          <a:effectRef idx="0">
+            <a:schemeClr val="accent5"/>
+          </a:effectRef>
+          <a:fontRef idx="minor">
+            <a:schemeClr val="lt1"/>
+          </a:fontRef>
+        </p:style>
+        <p:txBody>
+          <a:bodyPr wrap="square" rtlCol="0">
+            <a:spAutoFit/>
+          </a:bodyPr>
+          <a:lstStyle/>
+          <a:p>
+            <a:pPr algn="ctr"/>
+            <a:r>
+              <a:rPr lang="it-IT" dirty="0"/>
+              <a:t>Andrea Ierardi	</a:t>
+            </a:r>
+            <a:r>
+              <a:rPr lang="en-GB" dirty="0"/>
+              <a:t>Code: </a:t>
+            </a:r>
+            <a:r>
+              <a:rPr lang="en-GB" dirty="0">
+                <a:solidFill>
+                  <a:srgbClr val="92D050"/>
+                </a:solidFill>
+                <a:hlinkClick r:id="rId3">
+                  <a:extLst>
+                    <a:ext uri="{A12FA001-AC4F-418D-AE19-62706E023703}">
+                      <ahyp:hlinkClr xmlns:ahyp="http://schemas.microsoft.com/office/drawing/2018/hyperlinkcolor" val="tx"/>
+                    </a:ext>
+                  </a:extLst>
+                </a:hlinkClick>
+              </a:rPr>
+              <a:t>GitHub</a:t>
+            </a:r>
+            <a:endParaRPr lang="en-GB" dirty="0">
+              <a:solidFill>
+                <a:srgbClr val="92D050"/>
+              </a:solidFill>
+            </a:endParaRPr>
+          </a:p>
+        </p:txBody>
+      </p:sp>
     </p:spTree>
     <p:extLst>
       <p:ext uri="{BB962C8B-B14F-4D97-AF65-F5344CB8AC3E}">
@@ -5043,7 +5467,7 @@
         </p:blipFill>
         <p:spPr>
           <a:xfrm>
-            <a:off x="7105431" y="3786696"/>
+            <a:off x="7105431" y="3546998"/>
             <a:ext cx="4433310" cy="2934369"/>
           </a:xfrm>
           <a:prstGeom prst="rect">
@@ -5667,6 +6091,81 @@
               <a:rPr lang="en-GB" dirty="0"/>
               <a:t>is a preference for a network's nodes to attach to others that are similar in some way</a:t>
             </a:r>
+          </a:p>
+        </p:txBody>
+      </p:sp>
+      <p:sp>
+        <p:nvSpPr>
+          <p:cNvPr id="14" name="TextBox 13">
+            <a:extLst>
+              <a:ext uri="{FF2B5EF4-FFF2-40B4-BE49-F238E27FC236}">
+                <a16:creationId xmlns:a16="http://schemas.microsoft.com/office/drawing/2014/main" id="{020B7B61-450A-4D0C-8946-CDC8754ED516}"/>
+              </a:ext>
+            </a:extLst>
+          </p:cNvPr>
+          <p:cNvSpPr txBox="1"/>
+          <p:nvPr/>
+        </p:nvSpPr>
+        <p:spPr>
+          <a:xfrm>
+            <a:off x="0" y="6498454"/>
+            <a:ext cx="12192000" cy="369332"/>
+          </a:xfrm>
+          <a:prstGeom prst="rect">
+            <a:avLst/>
+          </a:prstGeom>
+        </p:spPr>
+        <p:style>
+          <a:lnRef idx="2">
+            <a:schemeClr val="accent5">
+              <a:shade val="50000"/>
+            </a:schemeClr>
+          </a:lnRef>
+          <a:fillRef idx="1">
+            <a:schemeClr val="accent5"/>
+          </a:fillRef>
+          <a:effectRef idx="0">
+            <a:schemeClr val="accent5"/>
+          </a:effectRef>
+          <a:fontRef idx="minor">
+            <a:schemeClr val="lt1"/>
+          </a:fontRef>
+        </p:style>
+        <p:txBody>
+          <a:bodyPr wrap="square" rtlCol="0">
+            <a:spAutoFit/>
+          </a:bodyPr>
+          <a:lstStyle/>
+          <a:p>
+            <a:pPr algn="ctr"/>
+            <a:r>
+              <a:rPr lang="it-IT" dirty="0"/>
+              <a:t>Andrea Ierardi	</a:t>
+            </a:r>
+            <a:r>
+              <a:rPr lang="en-GB" dirty="0"/>
+              <a:t>Code: </a:t>
+            </a:r>
+            <a:r>
+              <a:rPr lang="en-GB" dirty="0">
+                <a:solidFill>
+                  <a:srgbClr val="92D050"/>
+                </a:solidFill>
+                <a:hlinkClick r:id="rId4">
+                  <a:extLst>
+                    <a:ext uri="{A12FA001-AC4F-418D-AE19-62706E023703}">
+                      <ahyp:hlinkClr xmlns:ahyp="http://schemas.microsoft.com/office/drawing/2018/hyperlinkcolor" val="tx"/>
+                    </a:ext>
+                  </a:extLst>
+                </a:hlinkClick>
+              </a:rPr>
+              <a:t>GitHub</a:t>
+            </a:r>
+            <a:endParaRPr lang="en-GB" dirty="0">
+              <a:solidFill>
+                <a:srgbClr val="92D050"/>
+              </a:solidFill>
+            </a:endParaRPr>
           </a:p>
         </p:txBody>
       </p:sp>
@@ -5896,7 +6395,7 @@
         </p:blipFill>
         <p:spPr bwMode="auto">
           <a:xfrm>
-            <a:off x="8378026" y="4903550"/>
+            <a:off x="8378026" y="4663850"/>
             <a:ext cx="3467938" cy="1792588"/>
           </a:xfrm>
           <a:prstGeom prst="rect">
@@ -6127,6 +6626,81 @@
               </a:rPr>
               <a:t>ECCDF</a:t>
             </a:r>
+          </a:p>
+        </p:txBody>
+      </p:sp>
+      <p:sp>
+        <p:nvSpPr>
+          <p:cNvPr id="15" name="TextBox 14">
+            <a:extLst>
+              <a:ext uri="{FF2B5EF4-FFF2-40B4-BE49-F238E27FC236}">
+                <a16:creationId xmlns:a16="http://schemas.microsoft.com/office/drawing/2014/main" id="{2C025968-A2F4-44C3-A431-4EDD1A670D5E}"/>
+              </a:ext>
+            </a:extLst>
+          </p:cNvPr>
+          <p:cNvSpPr txBox="1"/>
+          <p:nvPr/>
+        </p:nvSpPr>
+        <p:spPr>
+          <a:xfrm>
+            <a:off x="0" y="6498454"/>
+            <a:ext cx="12192000" cy="369332"/>
+          </a:xfrm>
+          <a:prstGeom prst="rect">
+            <a:avLst/>
+          </a:prstGeom>
+        </p:spPr>
+        <p:style>
+          <a:lnRef idx="2">
+            <a:schemeClr val="accent5">
+              <a:shade val="50000"/>
+            </a:schemeClr>
+          </a:lnRef>
+          <a:fillRef idx="1">
+            <a:schemeClr val="accent5"/>
+          </a:fillRef>
+          <a:effectRef idx="0">
+            <a:schemeClr val="accent5"/>
+          </a:effectRef>
+          <a:fontRef idx="minor">
+            <a:schemeClr val="lt1"/>
+          </a:fontRef>
+        </p:style>
+        <p:txBody>
+          <a:bodyPr wrap="square" rtlCol="0">
+            <a:spAutoFit/>
+          </a:bodyPr>
+          <a:lstStyle/>
+          <a:p>
+            <a:pPr algn="ctr"/>
+            <a:r>
+              <a:rPr lang="it-IT" dirty="0"/>
+              <a:t>Andrea Ierardi	</a:t>
+            </a:r>
+            <a:r>
+              <a:rPr lang="en-GB" dirty="0"/>
+              <a:t>Code: </a:t>
+            </a:r>
+            <a:r>
+              <a:rPr lang="en-GB" dirty="0">
+                <a:solidFill>
+                  <a:srgbClr val="92D050"/>
+                </a:solidFill>
+                <a:hlinkClick r:id="rId5">
+                  <a:extLst>
+                    <a:ext uri="{A12FA001-AC4F-418D-AE19-62706E023703}">
+                      <ahyp:hlinkClr xmlns:ahyp="http://schemas.microsoft.com/office/drawing/2018/hyperlinkcolor" val="tx"/>
+                    </a:ext>
+                  </a:extLst>
+                </a:hlinkClick>
+              </a:rPr>
+              <a:t>GitHub</a:t>
+            </a:r>
+            <a:endParaRPr lang="en-GB" dirty="0">
+              <a:solidFill>
+                <a:srgbClr val="92D050"/>
+              </a:solidFill>
+            </a:endParaRPr>
           </a:p>
         </p:txBody>
       </p:sp>
@@ -6513,6 +7087,81 @@
           </a:p>
         </p:txBody>
       </p:sp>
+      <p:sp>
+        <p:nvSpPr>
+          <p:cNvPr id="7" name="TextBox 6">
+            <a:extLst>
+              <a:ext uri="{FF2B5EF4-FFF2-40B4-BE49-F238E27FC236}">
+                <a16:creationId xmlns:a16="http://schemas.microsoft.com/office/drawing/2014/main" id="{3258A666-7358-4A2E-A41F-ECB73EBB7683}"/>
+              </a:ext>
+            </a:extLst>
+          </p:cNvPr>
+          <p:cNvSpPr txBox="1"/>
+          <p:nvPr/>
+        </p:nvSpPr>
+        <p:spPr>
+          <a:xfrm>
+            <a:off x="0" y="6498454"/>
+            <a:ext cx="12192000" cy="369332"/>
+          </a:xfrm>
+          <a:prstGeom prst="rect">
+            <a:avLst/>
+          </a:prstGeom>
+        </p:spPr>
+        <p:style>
+          <a:lnRef idx="2">
+            <a:schemeClr val="accent5">
+              <a:shade val="50000"/>
+            </a:schemeClr>
+          </a:lnRef>
+          <a:fillRef idx="1">
+            <a:schemeClr val="accent5"/>
+          </a:fillRef>
+          <a:effectRef idx="0">
+            <a:schemeClr val="accent5"/>
+          </a:effectRef>
+          <a:fontRef idx="minor">
+            <a:schemeClr val="lt1"/>
+          </a:fontRef>
+        </p:style>
+        <p:txBody>
+          <a:bodyPr wrap="square" rtlCol="0">
+            <a:spAutoFit/>
+          </a:bodyPr>
+          <a:lstStyle/>
+          <a:p>
+            <a:pPr algn="ctr"/>
+            <a:r>
+              <a:rPr lang="it-IT" dirty="0"/>
+              <a:t>Andrea Ierardi	</a:t>
+            </a:r>
+            <a:r>
+              <a:rPr lang="en-GB" dirty="0"/>
+              <a:t>Code: </a:t>
+            </a:r>
+            <a:r>
+              <a:rPr lang="en-GB" dirty="0">
+                <a:solidFill>
+                  <a:srgbClr val="92D050"/>
+                </a:solidFill>
+                <a:hlinkClick r:id="rId3">
+                  <a:extLst>
+                    <a:ext uri="{A12FA001-AC4F-418D-AE19-62706E023703}">
+                      <ahyp:hlinkClr xmlns:ahyp="http://schemas.microsoft.com/office/drawing/2018/hyperlinkcolor" val="tx"/>
+                    </a:ext>
+                  </a:extLst>
+                </a:hlinkClick>
+              </a:rPr>
+              <a:t>GitHub</a:t>
+            </a:r>
+            <a:endParaRPr lang="en-GB" dirty="0">
+              <a:solidFill>
+                <a:srgbClr val="92D050"/>
+              </a:solidFill>
+            </a:endParaRPr>
+          </a:p>
+        </p:txBody>
+      </p:sp>
     </p:spTree>
     <p:extLst>
       <p:ext uri="{BB962C8B-B14F-4D97-AF65-F5344CB8AC3E}">
@@ -7321,6 +7970,81 @@
           </a:p>
         </p:txBody>
       </p:sp>
+      <p:sp>
+        <p:nvSpPr>
+          <p:cNvPr id="15" name="TextBox 14">
+            <a:extLst>
+              <a:ext uri="{FF2B5EF4-FFF2-40B4-BE49-F238E27FC236}">
+                <a16:creationId xmlns:a16="http://schemas.microsoft.com/office/drawing/2014/main" id="{CD5110EA-9E81-41BE-BB8A-5B492A3B82EC}"/>
+              </a:ext>
+            </a:extLst>
+          </p:cNvPr>
+          <p:cNvSpPr txBox="1"/>
+          <p:nvPr/>
+        </p:nvSpPr>
+        <p:spPr>
+          <a:xfrm>
+            <a:off x="0" y="6498454"/>
+            <a:ext cx="12192000" cy="369332"/>
+          </a:xfrm>
+          <a:prstGeom prst="rect">
+            <a:avLst/>
+          </a:prstGeom>
+        </p:spPr>
+        <p:style>
+          <a:lnRef idx="2">
+            <a:schemeClr val="accent5">
+              <a:shade val="50000"/>
+            </a:schemeClr>
+          </a:lnRef>
+          <a:fillRef idx="1">
+            <a:schemeClr val="accent5"/>
+          </a:fillRef>
+          <a:effectRef idx="0">
+            <a:schemeClr val="accent5"/>
+          </a:effectRef>
+          <a:fontRef idx="minor">
+            <a:schemeClr val="lt1"/>
+          </a:fontRef>
+        </p:style>
+        <p:txBody>
+          <a:bodyPr wrap="square" rtlCol="0">
+            <a:spAutoFit/>
+          </a:bodyPr>
+          <a:lstStyle/>
+          <a:p>
+            <a:pPr algn="ctr"/>
+            <a:r>
+              <a:rPr lang="it-IT" dirty="0"/>
+              <a:t>Andrea Ierardi	</a:t>
+            </a:r>
+            <a:r>
+              <a:rPr lang="en-GB" dirty="0"/>
+              <a:t>Code: </a:t>
+            </a:r>
+            <a:r>
+              <a:rPr lang="en-GB" dirty="0">
+                <a:solidFill>
+                  <a:srgbClr val="92D050"/>
+                </a:solidFill>
+                <a:hlinkClick r:id="rId4">
+                  <a:extLst>
+                    <a:ext uri="{A12FA001-AC4F-418D-AE19-62706E023703}">
+                      <ahyp:hlinkClr xmlns:ahyp="http://schemas.microsoft.com/office/drawing/2018/hyperlinkcolor" val="tx"/>
+                    </a:ext>
+                  </a:extLst>
+                </a:hlinkClick>
+              </a:rPr>
+              <a:t>GitHub</a:t>
+            </a:r>
+            <a:endParaRPr lang="en-GB" dirty="0">
+              <a:solidFill>
+                <a:srgbClr val="92D050"/>
+              </a:solidFill>
+            </a:endParaRPr>
+          </a:p>
+        </p:txBody>
+      </p:sp>
     </p:spTree>
     <p:extLst>
       <p:ext uri="{BB962C8B-B14F-4D97-AF65-F5344CB8AC3E}">
@@ -7469,6 +8193,81 @@
           </a:p>
         </p:txBody>
       </p:sp>
+      <p:sp>
+        <p:nvSpPr>
+          <p:cNvPr id="4" name="TextBox 3">
+            <a:extLst>
+              <a:ext uri="{FF2B5EF4-FFF2-40B4-BE49-F238E27FC236}">
+                <a16:creationId xmlns:a16="http://schemas.microsoft.com/office/drawing/2014/main" id="{120FFC9C-0A27-4F52-80FC-C224D8D70EA3}"/>
+              </a:ext>
+            </a:extLst>
+          </p:cNvPr>
+          <p:cNvSpPr txBox="1"/>
+          <p:nvPr/>
+        </p:nvSpPr>
+        <p:spPr>
+          <a:xfrm>
+            <a:off x="0" y="6498454"/>
+            <a:ext cx="12192000" cy="369332"/>
+          </a:xfrm>
+          <a:prstGeom prst="rect">
+            <a:avLst/>
+          </a:prstGeom>
+        </p:spPr>
+        <p:style>
+          <a:lnRef idx="2">
+            <a:schemeClr val="accent5">
+              <a:shade val="50000"/>
+            </a:schemeClr>
+          </a:lnRef>
+          <a:fillRef idx="1">
+            <a:schemeClr val="accent5"/>
+          </a:fillRef>
+          <a:effectRef idx="0">
+            <a:schemeClr val="accent5"/>
+          </a:effectRef>
+          <a:fontRef idx="minor">
+            <a:schemeClr val="lt1"/>
+          </a:fontRef>
+        </p:style>
+        <p:txBody>
+          <a:bodyPr wrap="square" rtlCol="0">
+            <a:spAutoFit/>
+          </a:bodyPr>
+          <a:lstStyle/>
+          <a:p>
+            <a:pPr algn="ctr"/>
+            <a:r>
+              <a:rPr lang="it-IT" dirty="0"/>
+              <a:t>Andrea Ierardi	</a:t>
+            </a:r>
+            <a:r>
+              <a:rPr lang="en-GB" dirty="0"/>
+              <a:t>Code: </a:t>
+            </a:r>
+            <a:r>
+              <a:rPr lang="en-GB" dirty="0">
+                <a:solidFill>
+                  <a:srgbClr val="92D050"/>
+                </a:solidFill>
+                <a:hlinkClick r:id="rId2">
+                  <a:extLst>
+                    <a:ext uri="{A12FA001-AC4F-418D-AE19-62706E023703}">
+                      <ahyp:hlinkClr xmlns:ahyp="http://schemas.microsoft.com/office/drawing/2018/hyperlinkcolor" val="tx"/>
+                    </a:ext>
+                  </a:extLst>
+                </a:hlinkClick>
+              </a:rPr>
+              <a:t>GitHub</a:t>
+            </a:r>
+            <a:endParaRPr lang="en-GB" dirty="0">
+              <a:solidFill>
+                <a:srgbClr val="92D050"/>
+              </a:solidFill>
+            </a:endParaRPr>
+          </a:p>
+        </p:txBody>
+      </p:sp>
     </p:spTree>
     <p:extLst>
       <p:ext uri="{BB962C8B-B14F-4D97-AF65-F5344CB8AC3E}">
@@ -7585,7 +8384,7 @@
         </p:nvSpPr>
         <p:spPr>
           <a:xfrm>
-            <a:off x="1336858" y="2560176"/>
+            <a:off x="1336858" y="2373739"/>
             <a:ext cx="3801438" cy="369332"/>
           </a:xfrm>
           <a:prstGeom prst="rect">
@@ -7625,7 +8424,7 @@
         </p:nvSpPr>
         <p:spPr>
           <a:xfrm>
-            <a:off x="1336858" y="4572633"/>
+            <a:off x="1336858" y="4386196"/>
             <a:ext cx="6097712" cy="369332"/>
           </a:xfrm>
           <a:prstGeom prst="rect">
@@ -7669,7 +8468,7 @@
         </p:nvSpPr>
         <p:spPr>
           <a:xfrm>
-            <a:off x="7179068" y="2557802"/>
+            <a:off x="7179068" y="2371365"/>
             <a:ext cx="4574568" cy="369332"/>
           </a:xfrm>
           <a:prstGeom prst="rect">
@@ -7713,7 +8512,7 @@
         </p:nvSpPr>
         <p:spPr>
           <a:xfrm>
-            <a:off x="7179068" y="4572633"/>
+            <a:off x="7179068" y="4386196"/>
             <a:ext cx="4673390" cy="369332"/>
           </a:xfrm>
           <a:prstGeom prst="rect">
@@ -7753,7 +8552,7 @@
         </p:nvSpPr>
         <p:spPr>
           <a:xfrm>
-            <a:off x="852294" y="2970177"/>
+            <a:off x="852294" y="2783740"/>
             <a:ext cx="6097712" cy="1615827"/>
           </a:xfrm>
           <a:prstGeom prst="rect">
@@ -7955,7 +8754,7 @@
         </p:nvSpPr>
         <p:spPr>
           <a:xfrm>
-            <a:off x="852294" y="4941965"/>
+            <a:off x="852294" y="4755528"/>
             <a:ext cx="4492961" cy="1615827"/>
           </a:xfrm>
           <a:prstGeom prst="rect">
@@ -8195,7 +8994,7 @@
         </p:nvSpPr>
         <p:spPr>
           <a:xfrm>
-            <a:off x="6586818" y="2970177"/>
+            <a:off x="6586818" y="2783740"/>
             <a:ext cx="4275828" cy="1615827"/>
           </a:xfrm>
           <a:prstGeom prst="rect">
@@ -8399,7 +9198,7 @@
         </p:nvSpPr>
         <p:spPr>
           <a:xfrm>
-            <a:off x="6586818" y="4941965"/>
+            <a:off x="6586818" y="4755528"/>
             <a:ext cx="4268324" cy="1615827"/>
           </a:xfrm>
           <a:prstGeom prst="rect">
@@ -8568,6 +9367,81 @@
               </a:rPr>
               <a:t>', 0.007152129703475652)</a:t>
             </a:r>
+          </a:p>
+        </p:txBody>
+      </p:sp>
+      <p:sp>
+        <p:nvSpPr>
+          <p:cNvPr id="12" name="TextBox 11">
+            <a:extLst>
+              <a:ext uri="{FF2B5EF4-FFF2-40B4-BE49-F238E27FC236}">
+                <a16:creationId xmlns:a16="http://schemas.microsoft.com/office/drawing/2014/main" id="{265429C4-0F2F-4087-A045-721CA602CFF0}"/>
+              </a:ext>
+            </a:extLst>
+          </p:cNvPr>
+          <p:cNvSpPr txBox="1"/>
+          <p:nvPr/>
+        </p:nvSpPr>
+        <p:spPr>
+          <a:xfrm>
+            <a:off x="0" y="6498454"/>
+            <a:ext cx="12192000" cy="369332"/>
+          </a:xfrm>
+          <a:prstGeom prst="rect">
+            <a:avLst/>
+          </a:prstGeom>
+        </p:spPr>
+        <p:style>
+          <a:lnRef idx="2">
+            <a:schemeClr val="accent5">
+              <a:shade val="50000"/>
+            </a:schemeClr>
+          </a:lnRef>
+          <a:fillRef idx="1">
+            <a:schemeClr val="accent5"/>
+          </a:fillRef>
+          <a:effectRef idx="0">
+            <a:schemeClr val="accent5"/>
+          </a:effectRef>
+          <a:fontRef idx="minor">
+            <a:schemeClr val="lt1"/>
+          </a:fontRef>
+        </p:style>
+        <p:txBody>
+          <a:bodyPr wrap="square" rtlCol="0">
+            <a:spAutoFit/>
+          </a:bodyPr>
+          <a:lstStyle/>
+          <a:p>
+            <a:pPr algn="ctr"/>
+            <a:r>
+              <a:rPr lang="it-IT" dirty="0"/>
+              <a:t>Andrea Ierardi	</a:t>
+            </a:r>
+            <a:r>
+              <a:rPr lang="en-GB" dirty="0"/>
+              <a:t>Code: </a:t>
+            </a:r>
+            <a:r>
+              <a:rPr lang="en-GB" dirty="0">
+                <a:solidFill>
+                  <a:srgbClr val="92D050"/>
+                </a:solidFill>
+                <a:hlinkClick r:id="rId2">
+                  <a:extLst>
+                    <a:ext uri="{A12FA001-AC4F-418D-AE19-62706E023703}">
+                      <ahyp:hlinkClr xmlns:ahyp="http://schemas.microsoft.com/office/drawing/2018/hyperlinkcolor" val="tx"/>
+                    </a:ext>
+                  </a:extLst>
+                </a:hlinkClick>
+              </a:rPr>
+              <a:t>GitHub</a:t>
+            </a:r>
+            <a:endParaRPr lang="en-GB" dirty="0">
+              <a:solidFill>
+                <a:srgbClr val="92D050"/>
+              </a:solidFill>
+            </a:endParaRPr>
           </a:p>
         </p:txBody>
       </p:sp>
